--- a/FacePixer.pptx
+++ b/FacePixer.pptx
@@ -114,6 +114,11 @@
       </a:defRPr>
     </a:lvl9pPr>
   </p:defaultTextStyle>
+  <p:extLst>
+    <p:ext uri="{EFAFB233-063F-42B5-8137-9DF3F51BA10A}">
+      <p15:sldGuideLst xmlns:p15="http://schemas.microsoft.com/office/powerpoint/2012/main"/>
+    </p:ext>
+  </p:extLst>
 </p:presentation>
 </file>
 
@@ -3613,8 +3618,13 @@
             </a:pPr>
             <a:r>
               <a:rPr lang="en-IN" sz="4000" b="1" dirty="0" smtClean="0"/>
-              <a:t>Sketches by professional police sketch artists can be converted to life like images.</a:t>
-            </a:r>
+              <a:t>Sketches by professional police sketch artists can be converted to life like </a:t>
+            </a:r>
+            <a:r>
+              <a:rPr lang="en-IN" sz="4000" b="1" dirty="0" smtClean="0"/>
+              <a:t>images</a:t>
+            </a:r>
+            <a:endParaRPr lang="en-IN" sz="4000" b="1" dirty="0" smtClean="0"/>
           </a:p>
           <a:p>
             <a:pPr algn="just">
@@ -3915,7 +3925,21 @@
             </a:pPr>
             <a:r>
               <a:rPr lang="en-IN" sz="4000" b="1" dirty="0" smtClean="0"/>
-              <a:t>Integration of models with the web server</a:t>
+              <a:t>Integration of models with the web </a:t>
+            </a:r>
+            <a:r>
+              <a:rPr lang="en-IN" sz="4000" b="1" dirty="0" smtClean="0"/>
+              <a:t>server</a:t>
+            </a:r>
+          </a:p>
+          <a:p>
+            <a:pPr algn="just">
+              <a:buFont typeface="Wingdings" panose="05000000000000000000" pitchFamily="2" charset="2"/>
+              <a:buChar char="Ø"/>
+            </a:pPr>
+            <a:r>
+              <a:rPr lang="en-IN" sz="4000" b="1" dirty="0" smtClean="0"/>
+              <a:t>Bias due to the dataset being non-diverse</a:t>
             </a:r>
             <a:endParaRPr lang="en-IN" sz="4000" b="1" dirty="0"/>
           </a:p>
@@ -4018,8 +4042,13 @@
             </a:pPr>
             <a:r>
               <a:rPr lang="en-IN" sz="4000" b="1" dirty="0" smtClean="0"/>
-              <a:t>Can help catch convicts faster with life-like images.</a:t>
-            </a:r>
+              <a:t>Can help catch convicts faster with life-like </a:t>
+            </a:r>
+            <a:r>
+              <a:rPr lang="en-IN" sz="4000" b="1" dirty="0" smtClean="0"/>
+              <a:t>images</a:t>
+            </a:r>
+            <a:endParaRPr lang="en-IN" sz="4000" b="1" dirty="0" smtClean="0"/>
           </a:p>
           <a:p>
             <a:pPr algn="just">
@@ -4028,8 +4057,13 @@
             </a:pPr>
             <a:r>
               <a:rPr lang="en-IN" sz="4000" b="1" dirty="0" smtClean="0"/>
-              <a:t>Can help budding artists.</a:t>
-            </a:r>
+              <a:t>Can help budding </a:t>
+            </a:r>
+            <a:r>
+              <a:rPr lang="en-IN" sz="4000" b="1" dirty="0" smtClean="0"/>
+              <a:t>artists</a:t>
+            </a:r>
+            <a:endParaRPr lang="en-IN" sz="4000" b="1" dirty="0" smtClean="0"/>
           </a:p>
           <a:p>
             <a:pPr>
